--- a/Presentation.pptx
+++ b/Presentation.pptx
@@ -124,25 +124,57 @@
 <pc:chgInfo xmlns:a="http://schemas.openxmlformats.org/drawingml/2006/main" xmlns:r="http://schemas.openxmlformats.org/officeDocument/2006/relationships" xmlns:ac="http://schemas.microsoft.com/office/drawing/2013/main/command" xmlns:pc="http://schemas.microsoft.com/office/powerpoint/2013/main/command">
   <pc:docChgLst>
     <pc:chgData name="James Maltby" userId="17ed3942-1d1a-4f51-b1de-aaa8185273b4" providerId="ADAL" clId="{8DE9020D-C5EC-427C-BF2F-1E77A2A31ACD}"/>
-    <pc:docChg chg="undo custSel addSld delSld modSld sldOrd">
-      <pc:chgData name="James Maltby" userId="17ed3942-1d1a-4f51-b1de-aaa8185273b4" providerId="ADAL" clId="{8DE9020D-C5EC-427C-BF2F-1E77A2A31ACD}" dt="2026-01-13T07:09:24.516" v="1032" actId="47"/>
+    <pc:docChg chg="undo custSel addSld delSld modSld sldOrd modMainMaster">
+      <pc:chgData name="James Maltby" userId="17ed3942-1d1a-4f51-b1de-aaa8185273b4" providerId="ADAL" clId="{8DE9020D-C5EC-427C-BF2F-1E77A2A31ACD}" dt="2026-01-13T09:35:32.322" v="1066" actId="114"/>
       <pc:docMkLst>
         <pc:docMk/>
       </pc:docMkLst>
-      <pc:sldChg chg="modSp mod">
-        <pc:chgData name="James Maltby" userId="17ed3942-1d1a-4f51-b1de-aaa8185273b4" providerId="ADAL" clId="{8DE9020D-C5EC-427C-BF2F-1E77A2A31ACD}" dt="2026-01-13T06:58:23.932" v="474" actId="1035"/>
+      <pc:sldChg chg="addSp delSp modSp mod">
+        <pc:chgData name="James Maltby" userId="17ed3942-1d1a-4f51-b1de-aaa8185273b4" providerId="ADAL" clId="{8DE9020D-C5EC-427C-BF2F-1E77A2A31ACD}" dt="2026-01-13T09:33:09.279" v="1049" actId="1076"/>
         <pc:sldMkLst>
           <pc:docMk/>
           <pc:sldMk cId="4000077952" sldId="312"/>
         </pc:sldMkLst>
         <pc:spChg chg="mod">
-          <ac:chgData name="James Maltby" userId="17ed3942-1d1a-4f51-b1de-aaa8185273b4" providerId="ADAL" clId="{8DE9020D-C5EC-427C-BF2F-1E77A2A31ACD}" dt="2026-01-13T06:58:23.932" v="474" actId="1035"/>
+          <ac:chgData name="James Maltby" userId="17ed3942-1d1a-4f51-b1de-aaa8185273b4" providerId="ADAL" clId="{8DE9020D-C5EC-427C-BF2F-1E77A2A31ACD}" dt="2026-01-13T09:33:09.279" v="1049" actId="1076"/>
           <ac:spMkLst>
             <pc:docMk/>
             <pc:sldMk cId="4000077952" sldId="312"/>
             <ac:spMk id="10" creationId="{71E10B39-AEEC-459F-A785-230C6516B3DE}"/>
           </ac:spMkLst>
         </pc:spChg>
+        <pc:picChg chg="add del">
+          <ac:chgData name="James Maltby" userId="17ed3942-1d1a-4f51-b1de-aaa8185273b4" providerId="ADAL" clId="{8DE9020D-C5EC-427C-BF2F-1E77A2A31ACD}" dt="2026-01-13T09:33:01.679" v="1047" actId="478"/>
+          <ac:picMkLst>
+            <pc:docMk/>
+            <pc:sldMk cId="4000077952" sldId="312"/>
+            <ac:picMk id="3" creationId="{312F39D9-530F-1BBB-CC78-E9068A787F5C}"/>
+          </ac:picMkLst>
+        </pc:picChg>
+        <pc:picChg chg="mod">
+          <ac:chgData name="James Maltby" userId="17ed3942-1d1a-4f51-b1de-aaa8185273b4" providerId="ADAL" clId="{8DE9020D-C5EC-427C-BF2F-1E77A2A31ACD}" dt="2026-01-13T09:32:40.505" v="1043" actId="1076"/>
+          <ac:picMkLst>
+            <pc:docMk/>
+            <pc:sldMk cId="4000077952" sldId="312"/>
+            <ac:picMk id="6" creationId="{1719D1E0-9EB7-8D9F-1787-BB66EB26B5CB}"/>
+          </ac:picMkLst>
+        </pc:picChg>
+        <pc:picChg chg="mod">
+          <ac:chgData name="James Maltby" userId="17ed3942-1d1a-4f51-b1de-aaa8185273b4" providerId="ADAL" clId="{8DE9020D-C5EC-427C-BF2F-1E77A2A31ACD}" dt="2026-01-13T09:31:31.592" v="1037" actId="1076"/>
+          <ac:picMkLst>
+            <pc:docMk/>
+            <pc:sldMk cId="4000077952" sldId="312"/>
+            <ac:picMk id="8" creationId="{6EE78BE5-7871-F0FB-9E47-02957B39E98C}"/>
+          </ac:picMkLst>
+        </pc:picChg>
+        <pc:picChg chg="add mod">
+          <ac:chgData name="James Maltby" userId="17ed3942-1d1a-4f51-b1de-aaa8185273b4" providerId="ADAL" clId="{8DE9020D-C5EC-427C-BF2F-1E77A2A31ACD}" dt="2026-01-13T09:32:51.162" v="1046" actId="14100"/>
+          <ac:picMkLst>
+            <pc:docMk/>
+            <pc:sldMk cId="4000077952" sldId="312"/>
+            <ac:picMk id="1026" creationId="{C7157E57-CD6A-1F68-E91F-B061553A3DEE}"/>
+          </ac:picMkLst>
+        </pc:picChg>
       </pc:sldChg>
       <pc:sldChg chg="del">
         <pc:chgData name="James Maltby" userId="17ed3942-1d1a-4f51-b1de-aaa8185273b4" providerId="ADAL" clId="{8DE9020D-C5EC-427C-BF2F-1E77A2A31ACD}" dt="2026-01-13T06:58:37.891" v="476" actId="47"/>
@@ -336,13 +368,13 @@
         </pc:sldMkLst>
       </pc:sldChg>
       <pc:sldChg chg="addSp delSp modSp add mod">
-        <pc:chgData name="James Maltby" userId="17ed3942-1d1a-4f51-b1de-aaa8185273b4" providerId="ADAL" clId="{8DE9020D-C5EC-427C-BF2F-1E77A2A31ACD}" dt="2026-01-13T07:09:06.059" v="1031" actId="20577"/>
+        <pc:chgData name="James Maltby" userId="17ed3942-1d1a-4f51-b1de-aaa8185273b4" providerId="ADAL" clId="{8DE9020D-C5EC-427C-BF2F-1E77A2A31ACD}" dt="2026-01-13T09:35:32.322" v="1066" actId="114"/>
         <pc:sldMkLst>
           <pc:docMk/>
           <pc:sldMk cId="1988605862" sldId="2147480948"/>
         </pc:sldMkLst>
         <pc:spChg chg="mod">
-          <ac:chgData name="James Maltby" userId="17ed3942-1d1a-4f51-b1de-aaa8185273b4" providerId="ADAL" clId="{8DE9020D-C5EC-427C-BF2F-1E77A2A31ACD}" dt="2026-01-13T07:09:06.059" v="1031" actId="20577"/>
+          <ac:chgData name="James Maltby" userId="17ed3942-1d1a-4f51-b1de-aaa8185273b4" providerId="ADAL" clId="{8DE9020D-C5EC-427C-BF2F-1E77A2A31ACD}" dt="2026-01-13T09:35:21.177" v="1060" actId="20577"/>
           <ac:spMkLst>
             <pc:docMk/>
             <pc:sldMk cId="1988605862" sldId="2147480948"/>
@@ -350,7 +382,7 @@
           </ac:spMkLst>
         </pc:spChg>
         <pc:spChg chg="mod">
-          <ac:chgData name="James Maltby" userId="17ed3942-1d1a-4f51-b1de-aaa8185273b4" providerId="ADAL" clId="{8DE9020D-C5EC-427C-BF2F-1E77A2A31ACD}" dt="2026-01-13T07:08:53.444" v="1015" actId="114"/>
+          <ac:chgData name="James Maltby" userId="17ed3942-1d1a-4f51-b1de-aaa8185273b4" providerId="ADAL" clId="{8DE9020D-C5EC-427C-BF2F-1E77A2A31ACD}" dt="2026-01-13T09:35:32.322" v="1066" actId="114"/>
           <ac:spMkLst>
             <pc:docMk/>
             <pc:sldMk cId="1988605862" sldId="2147480948"/>
@@ -366,6 +398,65 @@
           </ac:picMkLst>
         </pc:picChg>
       </pc:sldChg>
+      <pc:sldMasterChg chg="modSldLayout">
+        <pc:chgData name="James Maltby" userId="17ed3942-1d1a-4f51-b1de-aaa8185273b4" providerId="ADAL" clId="{8DE9020D-C5EC-427C-BF2F-1E77A2A31ACD}" dt="2026-01-13T09:34:01.536" v="1054"/>
+        <pc:sldMasterMkLst>
+          <pc:docMk/>
+          <pc:sldMasterMk cId="191199324" sldId="2147483660"/>
+        </pc:sldMasterMkLst>
+        <pc:sldLayoutChg chg="addSp delSp modSp mod">
+          <pc:chgData name="James Maltby" userId="17ed3942-1d1a-4f51-b1de-aaa8185273b4" providerId="ADAL" clId="{8DE9020D-C5EC-427C-BF2F-1E77A2A31ACD}" dt="2026-01-13T09:34:01.536" v="1054"/>
+          <pc:sldLayoutMkLst>
+            <pc:docMk/>
+            <pc:sldMasterMk cId="191199324" sldId="2147483660"/>
+            <pc:sldLayoutMk cId="4243313542" sldId="2147483662"/>
+          </pc:sldLayoutMkLst>
+          <pc:picChg chg="add mod">
+            <ac:chgData name="James Maltby" userId="17ed3942-1d1a-4f51-b1de-aaa8185273b4" providerId="ADAL" clId="{8DE9020D-C5EC-427C-BF2F-1E77A2A31ACD}" dt="2026-01-13T09:34:01.536" v="1054"/>
+            <ac:picMkLst>
+              <pc:docMk/>
+              <pc:sldMasterMk cId="191199324" sldId="2147483660"/>
+              <pc:sldLayoutMk cId="4243313542" sldId="2147483662"/>
+              <ac:picMk id="2" creationId="{598537D4-5307-17D4-1DAF-01BF4BDA4F49}"/>
+            </ac:picMkLst>
+          </pc:picChg>
+          <pc:picChg chg="del">
+            <ac:chgData name="James Maltby" userId="17ed3942-1d1a-4f51-b1de-aaa8185273b4" providerId="ADAL" clId="{8DE9020D-C5EC-427C-BF2F-1E77A2A31ACD}" dt="2026-01-13T09:33:25.333" v="1050" actId="478"/>
+            <ac:picMkLst>
+              <pc:docMk/>
+              <pc:sldMasterMk cId="191199324" sldId="2147483660"/>
+              <pc:sldLayoutMk cId="4243313542" sldId="2147483662"/>
+              <ac:picMk id="3" creationId="{463A7721-2F77-5337-0F98-724C8CB82198}"/>
+            </ac:picMkLst>
+          </pc:picChg>
+          <pc:picChg chg="del mod">
+            <ac:chgData name="James Maltby" userId="17ed3942-1d1a-4f51-b1de-aaa8185273b4" providerId="ADAL" clId="{8DE9020D-C5EC-427C-BF2F-1E77A2A31ACD}" dt="2026-01-13T09:34:01.158" v="1053" actId="478"/>
+            <ac:picMkLst>
+              <pc:docMk/>
+              <pc:sldMasterMk cId="191199324" sldId="2147483660"/>
+              <pc:sldLayoutMk cId="4243313542" sldId="2147483662"/>
+              <ac:picMk id="4" creationId="{47D88DD9-0DEF-CAAC-3290-57B871BA9C11}"/>
+            </ac:picMkLst>
+          </pc:picChg>
+        </pc:sldLayoutChg>
+        <pc:sldLayoutChg chg="delSp mod">
+          <pc:chgData name="James Maltby" userId="17ed3942-1d1a-4f51-b1de-aaa8185273b4" providerId="ADAL" clId="{8DE9020D-C5EC-427C-BF2F-1E77A2A31ACD}" dt="2026-01-13T09:33:28.706" v="1051" actId="478"/>
+          <pc:sldLayoutMkLst>
+            <pc:docMk/>
+            <pc:sldMasterMk cId="191199324" sldId="2147483660"/>
+            <pc:sldLayoutMk cId="1086803107" sldId="2147483663"/>
+          </pc:sldLayoutMkLst>
+          <pc:picChg chg="del">
+            <ac:chgData name="James Maltby" userId="17ed3942-1d1a-4f51-b1de-aaa8185273b4" providerId="ADAL" clId="{8DE9020D-C5EC-427C-BF2F-1E77A2A31ACD}" dt="2026-01-13T09:33:28.706" v="1051" actId="478"/>
+            <ac:picMkLst>
+              <pc:docMk/>
+              <pc:sldMasterMk cId="191199324" sldId="2147483660"/>
+              <pc:sldLayoutMk cId="1086803107" sldId="2147483663"/>
+              <ac:picMk id="3" creationId="{463A7721-2F77-5337-0F98-724C8CB82198}"/>
+            </ac:picMkLst>
+          </pc:picChg>
+        </pc:sldLayoutChg>
+      </pc:sldMasterChg>
     </pc:docChg>
   </pc:docChgLst>
 </pc:chgInfo>
@@ -857,80 +948,6 @@
           <a:chExt cx="0" cy="0"/>
         </a:xfrm>
       </p:grpSpPr>
-      <p:pic>
-        <p:nvPicPr>
-          <p:cNvPr id="3" name="Picture 2" descr="A logo with orange letters&#10;&#10;AI-generated content may be incorrect.">
-            <a:extLst>
-              <a:ext uri="{FF2B5EF4-FFF2-40B4-BE49-F238E27FC236}">
-                <a16:creationId xmlns:a16="http://schemas.microsoft.com/office/drawing/2014/main" id="{463A7721-2F77-5337-0F98-724C8CB82198}"/>
-              </a:ext>
-            </a:extLst>
-          </p:cNvPr>
-          <p:cNvPicPr>
-            <a:picLocks noChangeAspect="1"/>
-          </p:cNvPicPr>
-          <p:nvPr userDrawn="1"/>
-        </p:nvPicPr>
-        <p:blipFill>
-          <a:blip r:embed="rId2">
-            <a:alphaModFix amt="70000"/>
-            <a:extLst>
-              <a:ext uri="{28A0092B-C50C-407E-A947-70E740481C1C}">
-                <a14:useLocalDpi xmlns:a14="http://schemas.microsoft.com/office/drawing/2010/main" val="0"/>
-              </a:ext>
-            </a:extLst>
-          </a:blip>
-          <a:stretch>
-            <a:fillRect/>
-          </a:stretch>
-        </p:blipFill>
-        <p:spPr>
-          <a:xfrm>
-            <a:off x="405975" y="420421"/>
-            <a:ext cx="1618134" cy="589689"/>
-          </a:xfrm>
-          <a:prstGeom prst="rect">
-            <a:avLst/>
-          </a:prstGeom>
-        </p:spPr>
-      </p:pic>
-      <p:pic>
-        <p:nvPicPr>
-          <p:cNvPr id="4" name="Picture 3" descr="A black background with white text&#10;&#10;Description automatically generated">
-            <a:extLst>
-              <a:ext uri="{FF2B5EF4-FFF2-40B4-BE49-F238E27FC236}">
-                <a16:creationId xmlns:a16="http://schemas.microsoft.com/office/drawing/2014/main" id="{47D88DD9-0DEF-CAAC-3290-57B871BA9C11}"/>
-              </a:ext>
-            </a:extLst>
-          </p:cNvPr>
-          <p:cNvPicPr>
-            <a:picLocks noChangeAspect="1"/>
-          </p:cNvPicPr>
-          <p:nvPr userDrawn="1"/>
-        </p:nvPicPr>
-        <p:blipFill>
-          <a:blip r:embed="rId3">
-            <a:alphaModFix amt="85000"/>
-            <a:extLst>
-              <a:ext uri="{28A0092B-C50C-407E-A947-70E740481C1C}">
-                <a14:useLocalDpi xmlns:a14="http://schemas.microsoft.com/office/drawing/2010/main" val="0"/>
-              </a:ext>
-            </a:extLst>
-          </a:blip>
-          <a:stretch>
-            <a:fillRect/>
-          </a:stretch>
-        </p:blipFill>
-        <p:spPr>
-          <a:xfrm>
-            <a:off x="9807141" y="5861749"/>
-            <a:ext cx="1933461" cy="593573"/>
-          </a:xfrm>
-          <a:prstGeom prst="rect">
-            <a:avLst/>
-          </a:prstGeom>
-        </p:spPr>
-      </p:pic>
       <p:sp>
         <p:nvSpPr>
           <p:cNvPr id="9" name="Text Placeholder 7">
@@ -983,6 +1000,43 @@
           </a:p>
         </p:txBody>
       </p:sp>
+      <p:pic>
+        <p:nvPicPr>
+          <p:cNvPr id="2" name="Picture 1" descr="A black background with white text&#10;&#10;Description automatically generated">
+            <a:extLst>
+              <a:ext uri="{FF2B5EF4-FFF2-40B4-BE49-F238E27FC236}">
+                <a16:creationId xmlns:a16="http://schemas.microsoft.com/office/drawing/2014/main" id="{598537D4-5307-17D4-1DAF-01BF4BDA4F49}"/>
+              </a:ext>
+            </a:extLst>
+          </p:cNvPr>
+          <p:cNvPicPr>
+            <a:picLocks noChangeAspect="1"/>
+          </p:cNvPicPr>
+          <p:nvPr userDrawn="1"/>
+        </p:nvPicPr>
+        <p:blipFill>
+          <a:blip r:embed="rId2">
+            <a:alphaModFix amt="85000"/>
+            <a:extLst>
+              <a:ext uri="{28A0092B-C50C-407E-A947-70E740481C1C}">
+                <a14:useLocalDpi xmlns:a14="http://schemas.microsoft.com/office/drawing/2010/main" val="0"/>
+              </a:ext>
+            </a:extLst>
+          </a:blip>
+          <a:stretch>
+            <a:fillRect/>
+          </a:stretch>
+        </p:blipFill>
+        <p:spPr>
+          <a:xfrm>
+            <a:off x="467832" y="419737"/>
+            <a:ext cx="1933461" cy="593573"/>
+          </a:xfrm>
+          <a:prstGeom prst="rect">
+            <a:avLst/>
+          </a:prstGeom>
+        </p:spPr>
+      </p:pic>
     </p:spTree>
     <p:extLst>
       <p:ext uri="{BB962C8B-B14F-4D97-AF65-F5344CB8AC3E}">
@@ -1013,43 +1067,6 @@
           <a:chExt cx="0" cy="0"/>
         </a:xfrm>
       </p:grpSpPr>
-      <p:pic>
-        <p:nvPicPr>
-          <p:cNvPr id="3" name="Picture 2" descr="A logo with orange letters&#10;&#10;AI-generated content may be incorrect.">
-            <a:extLst>
-              <a:ext uri="{FF2B5EF4-FFF2-40B4-BE49-F238E27FC236}">
-                <a16:creationId xmlns:a16="http://schemas.microsoft.com/office/drawing/2014/main" id="{463A7721-2F77-5337-0F98-724C8CB82198}"/>
-              </a:ext>
-            </a:extLst>
-          </p:cNvPr>
-          <p:cNvPicPr>
-            <a:picLocks noChangeAspect="1"/>
-          </p:cNvPicPr>
-          <p:nvPr userDrawn="1"/>
-        </p:nvPicPr>
-        <p:blipFill>
-          <a:blip r:embed="rId2">
-            <a:alphaModFix amt="70000"/>
-            <a:extLst>
-              <a:ext uri="{28A0092B-C50C-407E-A947-70E740481C1C}">
-                <a14:useLocalDpi xmlns:a14="http://schemas.microsoft.com/office/drawing/2010/main" val="0"/>
-              </a:ext>
-            </a:extLst>
-          </a:blip>
-          <a:stretch>
-            <a:fillRect/>
-          </a:stretch>
-        </p:blipFill>
-        <p:spPr>
-          <a:xfrm>
-            <a:off x="405975" y="420421"/>
-            <a:ext cx="1618134" cy="589689"/>
-          </a:xfrm>
-          <a:prstGeom prst="rect">
-            <a:avLst/>
-          </a:prstGeom>
-        </p:spPr>
-      </p:pic>
       <p:sp>
         <p:nvSpPr>
           <p:cNvPr id="9" name="Text Placeholder 7">
@@ -1604,44 +1621,8 @@
         </p:blipFill>
         <p:spPr>
           <a:xfrm>
-            <a:off x="405975" y="5385004"/>
+            <a:off x="318426" y="5562306"/>
             <a:ext cx="3567410" cy="1107390"/>
-          </a:xfrm>
-          <a:prstGeom prst="rect">
-            <a:avLst/>
-          </a:prstGeom>
-        </p:spPr>
-      </p:pic>
-      <p:pic>
-        <p:nvPicPr>
-          <p:cNvPr id="3" name="Picture 2" descr="A logo with orange letters&#10;&#10;AI-generated content may be incorrect.">
-            <a:extLst>
-              <a:ext uri="{FF2B5EF4-FFF2-40B4-BE49-F238E27FC236}">
-                <a16:creationId xmlns:a16="http://schemas.microsoft.com/office/drawing/2014/main" id="{312F39D9-530F-1BBB-CC78-E9068A787F5C}"/>
-              </a:ext>
-            </a:extLst>
-          </p:cNvPr>
-          <p:cNvPicPr>
-            <a:picLocks noChangeAspect="1"/>
-          </p:cNvPicPr>
-          <p:nvPr/>
-        </p:nvPicPr>
-        <p:blipFill>
-          <a:blip r:embed="rId4">
-            <a:extLst>
-              <a:ext uri="{28A0092B-C50C-407E-A947-70E740481C1C}">
-                <a14:useLocalDpi xmlns:a14="http://schemas.microsoft.com/office/drawing/2010/main" val="0"/>
-              </a:ext>
-            </a:extLst>
-          </a:blip>
-          <a:stretch>
-            <a:fillRect/>
-          </a:stretch>
-        </p:blipFill>
-        <p:spPr>
-          <a:xfrm>
-            <a:off x="405975" y="420421"/>
-            <a:ext cx="2668920" cy="972622"/>
           </a:xfrm>
           <a:prstGeom prst="rect">
             <a:avLst/>
@@ -1662,7 +1643,7 @@
         </p:nvSpPr>
         <p:spPr>
           <a:xfrm>
-            <a:off x="3988343" y="591862"/>
+            <a:off x="318426" y="546409"/>
             <a:ext cx="7804555" cy="646331"/>
           </a:xfrm>
           <a:prstGeom prst="rect">
@@ -1676,7 +1657,6 @@
           </a:bodyPr>
           <a:lstStyle/>
           <a:p>
-            <a:pPr algn="r"/>
             <a:r>
               <a:rPr lang="en-GB" sz="3600" b="1" dirty="0">
                 <a:solidFill>
@@ -1693,6 +1673,53 @@
           </a:p>
         </p:txBody>
       </p:sp>
+      <p:pic>
+        <p:nvPicPr>
+          <p:cNvPr id="1026" name="Picture 2" descr="Our History — Save the Children NZ">
+            <a:extLst>
+              <a:ext uri="{FF2B5EF4-FFF2-40B4-BE49-F238E27FC236}">
+                <a16:creationId xmlns:a16="http://schemas.microsoft.com/office/drawing/2014/main" id="{C7157E57-CD6A-1F68-E91F-B061553A3DEE}"/>
+              </a:ext>
+            </a:extLst>
+          </p:cNvPr>
+          <p:cNvPicPr>
+            <a:picLocks noChangeAspect="1" noChangeArrowheads="1"/>
+          </p:cNvPicPr>
+          <p:nvPr/>
+        </p:nvPicPr>
+        <p:blipFill>
+          <a:blip r:embed="rId4">
+            <a:extLst>
+              <a:ext uri="{28A0092B-C50C-407E-A947-70E740481C1C}">
+                <a14:useLocalDpi xmlns:a14="http://schemas.microsoft.com/office/drawing/2010/main" val="0"/>
+              </a:ext>
+            </a:extLst>
+          </a:blip>
+          <a:srcRect/>
+          <a:stretch>
+            <a:fillRect/>
+          </a:stretch>
+        </p:blipFill>
+        <p:spPr bwMode="auto">
+          <a:xfrm>
+            <a:off x="7072009" y="5402082"/>
+            <a:ext cx="5119991" cy="1319998"/>
+          </a:xfrm>
+          <a:prstGeom prst="rect">
+            <a:avLst/>
+          </a:prstGeom>
+          <a:noFill/>
+          <a:extLst>
+            <a:ext uri="{909E8E84-426E-40DD-AFC4-6F175D3DCCD1}">
+              <a14:hiddenFill xmlns:a14="http://schemas.microsoft.com/office/drawing/2010/main">
+                <a:solidFill>
+                  <a:srgbClr val="FFFFFF"/>
+                </a:solidFill>
+              </a14:hiddenFill>
+            </a:ext>
+          </a:extLst>
+        </p:spPr>
+      </p:pic>
     </p:spTree>
     <p:extLst>
       <p:ext uri="{BB962C8B-B14F-4D97-AF65-F5344CB8AC3E}">
@@ -2511,7 +2538,7 @@
           <a:p>
             <a:r>
               <a:rPr lang="en-GB" dirty="0"/>
-              <a:t>Hackathon Challenges</a:t>
+              <a:t>Hackathon Briefs</a:t>
             </a:r>
           </a:p>
         </p:txBody>
@@ -2545,6 +2572,10 @@
           <a:lstStyle/>
           <a:p>
             <a:r>
+              <a:rPr lang="en-GB" sz="2800" i="1" dirty="0"/>
+              <a:t>Brief</a:t>
+            </a:r>
+            <a:r>
               <a:rPr lang="en-US" sz="2800" i="1" dirty="0">
                 <a:solidFill>
                   <a:schemeClr val="bg2">
@@ -2555,7 +2586,7 @@
                 <a:ea typeface="Noto Sans" panose="020B0502040504020204" pitchFamily="34" charset="0"/>
                 <a:cs typeface="Noto Sans" panose="020B0502040504020204" pitchFamily="34" charset="0"/>
               </a:rPr>
-              <a:t>Challenge 1</a:t>
+              <a:t> 1</a:t>
             </a:r>
           </a:p>
           <a:p>
@@ -2613,6 +2644,10 @@
           </a:p>
           <a:p>
             <a:r>
+              <a:rPr lang="en-GB" sz="2800" i="1" dirty="0"/>
+              <a:t>Brief</a:t>
+            </a:r>
+            <a:r>
               <a:rPr lang="en-US" sz="2800" i="1" dirty="0">
                 <a:solidFill>
                   <a:schemeClr val="bg2">
@@ -2623,7 +2658,7 @@
                 <a:ea typeface="Noto Sans" panose="020B0502040504020204" pitchFamily="34" charset="0"/>
                 <a:cs typeface="Noto Sans" panose="020B0502040504020204" pitchFamily="34" charset="0"/>
               </a:rPr>
-              <a:t>Challenge 2</a:t>
+              <a:t> 2</a:t>
             </a:r>
           </a:p>
           <a:p>
